--- a/Applications/KSManualTrade/uidesign.pptx
+++ b/Applications/KSManualTrade/uidesign.pptx
@@ -16,6 +16,8 @@
     <p:sldId id="272" r:id="rId10"/>
     <p:sldId id="276" r:id="rId11"/>
     <p:sldId id="277" r:id="rId12"/>
+    <p:sldId id="279" r:id="rId13"/>
+    <p:sldId id="278" r:id="rId14"/>
   </p:sldIdLst>
   <p:sldSz cx="12192000" cy="6858000"/>
   <p:notesSz cx="6858000" cy="9144000"/>
@@ -271,7 +273,7 @@
           <a:p>
             <a:fld id="{C215B344-0433-FF4F-B973-CB82BEC5B924}" type="datetimeFigureOut">
               <a:rPr lang="ko-US" smtClean="0"/>
-              <a:t>06/12/2025</a:t>
+              <a:t>06/13/2025</a:t>
             </a:fld>
             <a:endParaRPr lang="ko-US"/>
           </a:p>
@@ -471,7 +473,7 @@
           <a:p>
             <a:fld id="{C215B344-0433-FF4F-B973-CB82BEC5B924}" type="datetimeFigureOut">
               <a:rPr lang="ko-US" smtClean="0"/>
-              <a:t>06/12/2025</a:t>
+              <a:t>06/13/2025</a:t>
             </a:fld>
             <a:endParaRPr lang="ko-US"/>
           </a:p>
@@ -681,7 +683,7 @@
           <a:p>
             <a:fld id="{C215B344-0433-FF4F-B973-CB82BEC5B924}" type="datetimeFigureOut">
               <a:rPr lang="ko-US" smtClean="0"/>
-              <a:t>06/12/2025</a:t>
+              <a:t>06/13/2025</a:t>
             </a:fld>
             <a:endParaRPr lang="ko-US"/>
           </a:p>
@@ -881,7 +883,7 @@
           <a:p>
             <a:fld id="{C215B344-0433-FF4F-B973-CB82BEC5B924}" type="datetimeFigureOut">
               <a:rPr lang="ko-US" smtClean="0"/>
-              <a:t>06/12/2025</a:t>
+              <a:t>06/13/2025</a:t>
             </a:fld>
             <a:endParaRPr lang="ko-US"/>
           </a:p>
@@ -1157,7 +1159,7 @@
           <a:p>
             <a:fld id="{C215B344-0433-FF4F-B973-CB82BEC5B924}" type="datetimeFigureOut">
               <a:rPr lang="ko-US" smtClean="0"/>
-              <a:t>06/12/2025</a:t>
+              <a:t>06/13/2025</a:t>
             </a:fld>
             <a:endParaRPr lang="ko-US"/>
           </a:p>
@@ -1425,7 +1427,7 @@
           <a:p>
             <a:fld id="{C215B344-0433-FF4F-B973-CB82BEC5B924}" type="datetimeFigureOut">
               <a:rPr lang="ko-US" smtClean="0"/>
-              <a:t>06/12/2025</a:t>
+              <a:t>06/13/2025</a:t>
             </a:fld>
             <a:endParaRPr lang="ko-US"/>
           </a:p>
@@ -1840,7 +1842,7 @@
           <a:p>
             <a:fld id="{C215B344-0433-FF4F-B973-CB82BEC5B924}" type="datetimeFigureOut">
               <a:rPr lang="ko-US" smtClean="0"/>
-              <a:t>06/12/2025</a:t>
+              <a:t>06/13/2025</a:t>
             </a:fld>
             <a:endParaRPr lang="ko-US"/>
           </a:p>
@@ -1982,7 +1984,7 @@
           <a:p>
             <a:fld id="{C215B344-0433-FF4F-B973-CB82BEC5B924}" type="datetimeFigureOut">
               <a:rPr lang="ko-US" smtClean="0"/>
-              <a:t>06/12/2025</a:t>
+              <a:t>06/13/2025</a:t>
             </a:fld>
             <a:endParaRPr lang="ko-US"/>
           </a:p>
@@ -2095,7 +2097,7 @@
           <a:p>
             <a:fld id="{C215B344-0433-FF4F-B973-CB82BEC5B924}" type="datetimeFigureOut">
               <a:rPr lang="ko-US" smtClean="0"/>
-              <a:t>06/12/2025</a:t>
+              <a:t>06/13/2025</a:t>
             </a:fld>
             <a:endParaRPr lang="ko-US"/>
           </a:p>
@@ -2408,7 +2410,7 @@
           <a:p>
             <a:fld id="{C215B344-0433-FF4F-B973-CB82BEC5B924}" type="datetimeFigureOut">
               <a:rPr lang="ko-US" smtClean="0"/>
-              <a:t>06/12/2025</a:t>
+              <a:t>06/13/2025</a:t>
             </a:fld>
             <a:endParaRPr lang="ko-US"/>
           </a:p>
@@ -2697,7 +2699,7 @@
           <a:p>
             <a:fld id="{C215B344-0433-FF4F-B973-CB82BEC5B924}" type="datetimeFigureOut">
               <a:rPr lang="ko-US" smtClean="0"/>
-              <a:t>06/12/2025</a:t>
+              <a:t>06/13/2025</a:t>
             </a:fld>
             <a:endParaRPr lang="ko-US"/>
           </a:p>
@@ -2940,7 +2942,7 @@
           <a:p>
             <a:fld id="{C215B344-0433-FF4F-B973-CB82BEC5B924}" type="datetimeFigureOut">
               <a:rPr lang="ko-US" smtClean="0"/>
-              <a:t>06/12/2025</a:t>
+              <a:t>06/13/2025</a:t>
             </a:fld>
             <a:endParaRPr lang="ko-US"/>
           </a:p>
@@ -6873,6 +6875,1099 @@
     <p:extLst>
       <p:ext uri="{BB962C8B-B14F-4D97-AF65-F5344CB8AC3E}">
         <p14:creationId xmlns:p14="http://schemas.microsoft.com/office/powerpoint/2010/main" val="1596462123"/>
+      </p:ext>
+    </p:extLst>
+  </p:cSld>
+  <p:clrMapOvr>
+    <a:masterClrMapping/>
+  </p:clrMapOvr>
+</p:sld>
+</file>
+
+<file path=ppt/slides/slide12.xml><?xml version="1.0" encoding="utf-8"?>
+<p:sld xmlns:a="http://schemas.openxmlformats.org/drawingml/2006/main" xmlns:r="http://schemas.openxmlformats.org/officeDocument/2006/relationships" xmlns:p="http://schemas.openxmlformats.org/presentationml/2006/main">
+  <p:cSld>
+    <p:spTree>
+      <p:nvGrpSpPr>
+        <p:cNvPr id="1" name="">
+          <a:extLst>
+            <a:ext uri="{FF2B5EF4-FFF2-40B4-BE49-F238E27FC236}">
+              <a16:creationId xmlns:a16="http://schemas.microsoft.com/office/drawing/2014/main" id="{66A4DD56-66D6-75BF-8855-652BF80E5677}"/>
+            </a:ext>
+          </a:extLst>
+        </p:cNvPr>
+        <p:cNvGrpSpPr/>
+        <p:nvPr/>
+      </p:nvGrpSpPr>
+      <p:grpSpPr>
+        <a:xfrm>
+          <a:off x="0" y="0"/>
+          <a:ext cx="0" cy="0"/>
+          <a:chOff x="0" y="0"/>
+          <a:chExt cx="0" cy="0"/>
+        </a:xfrm>
+      </p:grpSpPr>
+      <p:sp>
+        <p:nvSpPr>
+          <p:cNvPr id="6" name="직사각형 5">
+            <a:extLst>
+              <a:ext uri="{FF2B5EF4-FFF2-40B4-BE49-F238E27FC236}">
+                <a16:creationId xmlns:a16="http://schemas.microsoft.com/office/drawing/2014/main" id="{BDE41DD4-6F06-AF0B-0AF9-BA4CC44D55B1}"/>
+              </a:ext>
+            </a:extLst>
+          </p:cNvPr>
+          <p:cNvSpPr/>
+          <p:nvPr/>
+        </p:nvSpPr>
+        <p:spPr>
+          <a:xfrm>
+            <a:off x="2406868" y="1043151"/>
+            <a:ext cx="7567449" cy="320566"/>
+          </a:xfrm>
+          <a:prstGeom prst="rect">
+            <a:avLst/>
+          </a:prstGeom>
+        </p:spPr>
+        <p:style>
+          <a:lnRef idx="2">
+            <a:schemeClr val="dk1"/>
+          </a:lnRef>
+          <a:fillRef idx="1">
+            <a:schemeClr val="lt1"/>
+          </a:fillRef>
+          <a:effectRef idx="0">
+            <a:schemeClr val="dk1"/>
+          </a:effectRef>
+          <a:fontRef idx="minor">
+            <a:schemeClr val="dk1"/>
+          </a:fontRef>
+        </p:style>
+        <p:txBody>
+          <a:bodyPr rtlCol="0" anchor="ctr"/>
+          <a:lstStyle/>
+          <a:p>
+            <a:pPr algn="ctr"/>
+            <a:r>
+              <a:rPr lang="en-US" dirty="0"/>
+              <a:t>Exchanges Settings (</a:t>
+            </a:r>
+            <a:r>
+              <a:rPr lang="en-US" dirty="0" err="1"/>
+              <a:t>UpBit</a:t>
+            </a:r>
+            <a:r>
+              <a:rPr lang="en-US" dirty="0"/>
+              <a:t>)</a:t>
+            </a:r>
+            <a:endParaRPr lang="ko-US" dirty="0"/>
+          </a:p>
+        </p:txBody>
+      </p:sp>
+      <p:sp>
+        <p:nvSpPr>
+          <p:cNvPr id="7" name="직사각형 6">
+            <a:extLst>
+              <a:ext uri="{FF2B5EF4-FFF2-40B4-BE49-F238E27FC236}">
+                <a16:creationId xmlns:a16="http://schemas.microsoft.com/office/drawing/2014/main" id="{5929C28E-9746-4CCA-CC19-9C5EDD477349}"/>
+              </a:ext>
+            </a:extLst>
+          </p:cNvPr>
+          <p:cNvSpPr/>
+          <p:nvPr/>
+        </p:nvSpPr>
+        <p:spPr>
+          <a:xfrm>
+            <a:off x="2406868" y="1363717"/>
+            <a:ext cx="7567449" cy="4130566"/>
+          </a:xfrm>
+          <a:prstGeom prst="rect">
+            <a:avLst/>
+          </a:prstGeom>
+        </p:spPr>
+        <p:style>
+          <a:lnRef idx="2">
+            <a:schemeClr val="dk1"/>
+          </a:lnRef>
+          <a:fillRef idx="1">
+            <a:schemeClr val="lt1"/>
+          </a:fillRef>
+          <a:effectRef idx="0">
+            <a:schemeClr val="dk1"/>
+          </a:effectRef>
+          <a:fontRef idx="minor">
+            <a:schemeClr val="dk1"/>
+          </a:fontRef>
+        </p:style>
+        <p:txBody>
+          <a:bodyPr rtlCol="0" anchor="ctr"/>
+          <a:lstStyle/>
+          <a:p>
+            <a:pPr algn="ctr"/>
+            <a:endParaRPr lang="ko-US" dirty="0"/>
+          </a:p>
+        </p:txBody>
+      </p:sp>
+      <p:sp>
+        <p:nvSpPr>
+          <p:cNvPr id="2" name="직사각형 1">
+            <a:extLst>
+              <a:ext uri="{FF2B5EF4-FFF2-40B4-BE49-F238E27FC236}">
+                <a16:creationId xmlns:a16="http://schemas.microsoft.com/office/drawing/2014/main" id="{4571ED42-714A-DACD-D5AB-44E92E018E84}"/>
+              </a:ext>
+            </a:extLst>
+          </p:cNvPr>
+          <p:cNvSpPr/>
+          <p:nvPr/>
+        </p:nvSpPr>
+        <p:spPr>
+          <a:xfrm>
+            <a:off x="2564523" y="1520059"/>
+            <a:ext cx="7252138" cy="328448"/>
+          </a:xfrm>
+          <a:prstGeom prst="rect">
+            <a:avLst/>
+          </a:prstGeom>
+        </p:spPr>
+        <p:style>
+          <a:lnRef idx="2">
+            <a:schemeClr val="dk1"/>
+          </a:lnRef>
+          <a:fillRef idx="1">
+            <a:schemeClr val="lt1"/>
+          </a:fillRef>
+          <a:effectRef idx="0">
+            <a:schemeClr val="dk1"/>
+          </a:effectRef>
+          <a:fontRef idx="minor">
+            <a:schemeClr val="dk1"/>
+          </a:fontRef>
+        </p:style>
+        <p:txBody>
+          <a:bodyPr rtlCol="0" anchor="ctr"/>
+          <a:lstStyle/>
+          <a:p>
+            <a:pPr algn="ctr"/>
+            <a:r>
+              <a:rPr lang="en-US" dirty="0"/>
+              <a:t>Edit using editor (Open notepad, Text Editor, or run nano on terminal)</a:t>
+            </a:r>
+            <a:endParaRPr lang="ko-US" dirty="0"/>
+          </a:p>
+        </p:txBody>
+      </p:sp>
+      <p:grpSp>
+        <p:nvGrpSpPr>
+          <p:cNvPr id="11" name="그룹 10">
+            <a:extLst>
+              <a:ext uri="{FF2B5EF4-FFF2-40B4-BE49-F238E27FC236}">
+                <a16:creationId xmlns:a16="http://schemas.microsoft.com/office/drawing/2014/main" id="{B88615C0-E486-5859-2518-088CF4EBCF1C}"/>
+              </a:ext>
+            </a:extLst>
+          </p:cNvPr>
+          <p:cNvGrpSpPr/>
+          <p:nvPr/>
+        </p:nvGrpSpPr>
+        <p:grpSpPr>
+          <a:xfrm>
+            <a:off x="2564523" y="2039007"/>
+            <a:ext cx="6828858" cy="369332"/>
+            <a:chOff x="2564523" y="2039007"/>
+            <a:chExt cx="6828858" cy="369332"/>
+          </a:xfrm>
+        </p:grpSpPr>
+        <p:sp>
+          <p:nvSpPr>
+            <p:cNvPr id="8" name="TextBox 7">
+              <a:extLst>
+                <a:ext uri="{FF2B5EF4-FFF2-40B4-BE49-F238E27FC236}">
+                  <a16:creationId xmlns:a16="http://schemas.microsoft.com/office/drawing/2014/main" id="{F0AB4141-50E7-F6C0-9065-297B68CC0C92}"/>
+                </a:ext>
+              </a:extLst>
+            </p:cNvPr>
+            <p:cNvSpPr txBox="1"/>
+            <p:nvPr/>
+          </p:nvSpPr>
+          <p:spPr>
+            <a:xfrm>
+              <a:off x="2564523" y="2039007"/>
+              <a:ext cx="1713187" cy="369332"/>
+            </a:xfrm>
+            <a:prstGeom prst="rect">
+              <a:avLst/>
+            </a:prstGeom>
+            <a:noFill/>
+          </p:spPr>
+          <p:txBody>
+            <a:bodyPr wrap="square" rtlCol="0">
+              <a:spAutoFit/>
+            </a:bodyPr>
+            <a:lstStyle/>
+            <a:p>
+              <a:r>
+                <a:rPr lang="en-US" dirty="0"/>
+                <a:t>API Public Key</a:t>
+              </a:r>
+              <a:endParaRPr lang="ko-US" dirty="0"/>
+            </a:p>
+          </p:txBody>
+        </p:sp>
+        <p:sp>
+          <p:nvSpPr>
+            <p:cNvPr id="9" name="직사각형 8">
+              <a:extLst>
+                <a:ext uri="{FF2B5EF4-FFF2-40B4-BE49-F238E27FC236}">
+                  <a16:creationId xmlns:a16="http://schemas.microsoft.com/office/drawing/2014/main" id="{7F806525-FEDA-5CF6-8017-5D3B6E3805FF}"/>
+                </a:ext>
+              </a:extLst>
+            </p:cNvPr>
+            <p:cNvSpPr/>
+            <p:nvPr/>
+          </p:nvSpPr>
+          <p:spPr>
+            <a:xfrm>
+              <a:off x="4813736" y="2059449"/>
+              <a:ext cx="4579645" cy="328448"/>
+            </a:xfrm>
+            <a:prstGeom prst="rect">
+              <a:avLst/>
+            </a:prstGeom>
+          </p:spPr>
+          <p:style>
+            <a:lnRef idx="2">
+              <a:schemeClr val="dk1"/>
+            </a:lnRef>
+            <a:fillRef idx="1">
+              <a:schemeClr val="lt1"/>
+            </a:fillRef>
+            <a:effectRef idx="0">
+              <a:schemeClr val="dk1"/>
+            </a:effectRef>
+            <a:fontRef idx="minor">
+              <a:schemeClr val="dk1"/>
+            </a:fontRef>
+          </p:style>
+          <p:txBody>
+            <a:bodyPr rtlCol="0" anchor="ctr"/>
+            <a:lstStyle/>
+            <a:p>
+              <a:r>
+                <a:rPr lang="en-US" dirty="0"/>
+                <a:t>qwerq984rqpwoeirjpqwoir</a:t>
+              </a:r>
+              <a:endParaRPr lang="ko-US" dirty="0"/>
+            </a:p>
+          </p:txBody>
+        </p:sp>
+      </p:grpSp>
+      <p:grpSp>
+        <p:nvGrpSpPr>
+          <p:cNvPr id="15" name="그룹 14">
+            <a:extLst>
+              <a:ext uri="{FF2B5EF4-FFF2-40B4-BE49-F238E27FC236}">
+                <a16:creationId xmlns:a16="http://schemas.microsoft.com/office/drawing/2014/main" id="{54956C6B-8266-36A1-39EB-5B743E30C5B2}"/>
+              </a:ext>
+            </a:extLst>
+          </p:cNvPr>
+          <p:cNvGrpSpPr/>
+          <p:nvPr/>
+        </p:nvGrpSpPr>
+        <p:grpSpPr>
+          <a:xfrm>
+            <a:off x="2564523" y="2598839"/>
+            <a:ext cx="6828858" cy="369332"/>
+            <a:chOff x="2564523" y="2039007"/>
+            <a:chExt cx="6828858" cy="369332"/>
+          </a:xfrm>
+        </p:grpSpPr>
+        <p:sp>
+          <p:nvSpPr>
+            <p:cNvPr id="17" name="TextBox 16">
+              <a:extLst>
+                <a:ext uri="{FF2B5EF4-FFF2-40B4-BE49-F238E27FC236}">
+                  <a16:creationId xmlns:a16="http://schemas.microsoft.com/office/drawing/2014/main" id="{A380209F-5C96-BFAA-302A-E3B5E7441157}"/>
+                </a:ext>
+              </a:extLst>
+            </p:cNvPr>
+            <p:cNvSpPr txBox="1"/>
+            <p:nvPr/>
+          </p:nvSpPr>
+          <p:spPr>
+            <a:xfrm>
+              <a:off x="2564523" y="2039007"/>
+              <a:ext cx="1713187" cy="369332"/>
+            </a:xfrm>
+            <a:prstGeom prst="rect">
+              <a:avLst/>
+            </a:prstGeom>
+            <a:noFill/>
+          </p:spPr>
+          <p:txBody>
+            <a:bodyPr wrap="square" rtlCol="0">
+              <a:spAutoFit/>
+            </a:bodyPr>
+            <a:lstStyle/>
+            <a:p>
+              <a:r>
+                <a:rPr lang="en-US" dirty="0"/>
+                <a:t>API Secret Key</a:t>
+              </a:r>
+              <a:endParaRPr lang="ko-US" dirty="0"/>
+            </a:p>
+          </p:txBody>
+        </p:sp>
+        <p:sp>
+          <p:nvSpPr>
+            <p:cNvPr id="18" name="직사각형 17">
+              <a:extLst>
+                <a:ext uri="{FF2B5EF4-FFF2-40B4-BE49-F238E27FC236}">
+                  <a16:creationId xmlns:a16="http://schemas.microsoft.com/office/drawing/2014/main" id="{9F9445ED-F246-9336-0E92-A2DEC3F91AE3}"/>
+                </a:ext>
+              </a:extLst>
+            </p:cNvPr>
+            <p:cNvSpPr/>
+            <p:nvPr/>
+          </p:nvSpPr>
+          <p:spPr>
+            <a:xfrm>
+              <a:off x="4813736" y="2059449"/>
+              <a:ext cx="4579645" cy="328448"/>
+            </a:xfrm>
+            <a:prstGeom prst="rect">
+              <a:avLst/>
+            </a:prstGeom>
+          </p:spPr>
+          <p:style>
+            <a:lnRef idx="2">
+              <a:schemeClr val="dk1"/>
+            </a:lnRef>
+            <a:fillRef idx="1">
+              <a:schemeClr val="lt1"/>
+            </a:fillRef>
+            <a:effectRef idx="0">
+              <a:schemeClr val="dk1"/>
+            </a:effectRef>
+            <a:fontRef idx="minor">
+              <a:schemeClr val="dk1"/>
+            </a:fontRef>
+          </p:style>
+          <p:txBody>
+            <a:bodyPr rtlCol="0" anchor="ctr"/>
+            <a:lstStyle/>
+            <a:p>
+              <a:r>
+                <a:rPr lang="en-US" dirty="0"/>
+                <a:t>4yh204857htqe9ruheoirjtho35iu</a:t>
+              </a:r>
+              <a:endParaRPr lang="ko-US" dirty="0"/>
+            </a:p>
+          </p:txBody>
+        </p:sp>
+      </p:grpSp>
+      <p:grpSp>
+        <p:nvGrpSpPr>
+          <p:cNvPr id="19" name="그룹 18">
+            <a:extLst>
+              <a:ext uri="{FF2B5EF4-FFF2-40B4-BE49-F238E27FC236}">
+                <a16:creationId xmlns:a16="http://schemas.microsoft.com/office/drawing/2014/main" id="{9B02EED9-0576-8F30-1AF6-10D9D86A5B9A}"/>
+              </a:ext>
+            </a:extLst>
+          </p:cNvPr>
+          <p:cNvGrpSpPr/>
+          <p:nvPr/>
+        </p:nvGrpSpPr>
+        <p:grpSpPr>
+          <a:xfrm>
+            <a:off x="2564523" y="3158671"/>
+            <a:ext cx="6828858" cy="369332"/>
+            <a:chOff x="2564523" y="2039007"/>
+            <a:chExt cx="6828858" cy="369332"/>
+          </a:xfrm>
+        </p:grpSpPr>
+        <p:sp>
+          <p:nvSpPr>
+            <p:cNvPr id="20" name="TextBox 19">
+              <a:extLst>
+                <a:ext uri="{FF2B5EF4-FFF2-40B4-BE49-F238E27FC236}">
+                  <a16:creationId xmlns:a16="http://schemas.microsoft.com/office/drawing/2014/main" id="{B5A730CF-CD0C-8104-E47A-C12EC8DBA5F3}"/>
+                </a:ext>
+              </a:extLst>
+            </p:cNvPr>
+            <p:cNvSpPr txBox="1"/>
+            <p:nvPr/>
+          </p:nvSpPr>
+          <p:spPr>
+            <a:xfrm>
+              <a:off x="2564523" y="2039007"/>
+              <a:ext cx="1713187" cy="369332"/>
+            </a:xfrm>
+            <a:prstGeom prst="rect">
+              <a:avLst/>
+            </a:prstGeom>
+            <a:noFill/>
+          </p:spPr>
+          <p:txBody>
+            <a:bodyPr wrap="square" rtlCol="0">
+              <a:spAutoFit/>
+            </a:bodyPr>
+            <a:lstStyle/>
+            <a:p>
+              <a:r>
+                <a:rPr lang="en-US" dirty="0"/>
+                <a:t>Fut. Leverage</a:t>
+              </a:r>
+              <a:endParaRPr lang="ko-US" dirty="0"/>
+            </a:p>
+          </p:txBody>
+        </p:sp>
+        <p:sp>
+          <p:nvSpPr>
+            <p:cNvPr id="21" name="직사각형 20">
+              <a:extLst>
+                <a:ext uri="{FF2B5EF4-FFF2-40B4-BE49-F238E27FC236}">
+                  <a16:creationId xmlns:a16="http://schemas.microsoft.com/office/drawing/2014/main" id="{53329F5F-5774-6F36-0D8A-9458B47FD14D}"/>
+                </a:ext>
+              </a:extLst>
+            </p:cNvPr>
+            <p:cNvSpPr/>
+            <p:nvPr/>
+          </p:nvSpPr>
+          <p:spPr>
+            <a:xfrm>
+              <a:off x="4813736" y="2059449"/>
+              <a:ext cx="4579645" cy="328448"/>
+            </a:xfrm>
+            <a:prstGeom prst="rect">
+              <a:avLst/>
+            </a:prstGeom>
+          </p:spPr>
+          <p:style>
+            <a:lnRef idx="2">
+              <a:schemeClr val="dk1"/>
+            </a:lnRef>
+            <a:fillRef idx="1">
+              <a:schemeClr val="lt1"/>
+            </a:fillRef>
+            <a:effectRef idx="0">
+              <a:schemeClr val="dk1"/>
+            </a:effectRef>
+            <a:fontRef idx="minor">
+              <a:schemeClr val="dk1"/>
+            </a:fontRef>
+          </p:style>
+          <p:txBody>
+            <a:bodyPr rtlCol="0" anchor="ctr"/>
+            <a:lstStyle/>
+            <a:p>
+              <a:r>
+                <a:rPr lang="en-US" dirty="0"/>
+                <a:t>1</a:t>
+              </a:r>
+              <a:endParaRPr lang="ko-US" dirty="0"/>
+            </a:p>
+          </p:txBody>
+        </p:sp>
+      </p:grpSp>
+      <p:sp>
+        <p:nvSpPr>
+          <p:cNvPr id="22" name="직사각형 21">
+            <a:extLst>
+              <a:ext uri="{FF2B5EF4-FFF2-40B4-BE49-F238E27FC236}">
+                <a16:creationId xmlns:a16="http://schemas.microsoft.com/office/drawing/2014/main" id="{4EF2F454-022A-2A55-1D83-F731468CBB4E}"/>
+              </a:ext>
+            </a:extLst>
+          </p:cNvPr>
+          <p:cNvSpPr/>
+          <p:nvPr/>
+        </p:nvSpPr>
+        <p:spPr>
+          <a:xfrm>
+            <a:off x="2564523" y="5009494"/>
+            <a:ext cx="7252138" cy="328448"/>
+          </a:xfrm>
+          <a:prstGeom prst="rect">
+            <a:avLst/>
+          </a:prstGeom>
+        </p:spPr>
+        <p:style>
+          <a:lnRef idx="2">
+            <a:schemeClr val="dk1"/>
+          </a:lnRef>
+          <a:fillRef idx="1">
+            <a:schemeClr val="lt1"/>
+          </a:fillRef>
+          <a:effectRef idx="0">
+            <a:schemeClr val="dk1"/>
+          </a:effectRef>
+          <a:fontRef idx="minor">
+            <a:schemeClr val="dk1"/>
+          </a:fontRef>
+        </p:style>
+        <p:txBody>
+          <a:bodyPr rtlCol="0" anchor="ctr"/>
+          <a:lstStyle/>
+          <a:p>
+            <a:pPr algn="ctr"/>
+            <a:r>
+              <a:rPr lang="en-US" dirty="0"/>
+              <a:t>Apply</a:t>
+            </a:r>
+            <a:endParaRPr lang="ko-US" dirty="0"/>
+          </a:p>
+        </p:txBody>
+      </p:sp>
+      <p:grpSp>
+        <p:nvGrpSpPr>
+          <p:cNvPr id="3" name="그룹 2">
+            <a:extLst>
+              <a:ext uri="{FF2B5EF4-FFF2-40B4-BE49-F238E27FC236}">
+                <a16:creationId xmlns:a16="http://schemas.microsoft.com/office/drawing/2014/main" id="{843C36B9-A6B5-FD6F-E447-5D5A86337348}"/>
+              </a:ext>
+            </a:extLst>
+          </p:cNvPr>
+          <p:cNvGrpSpPr/>
+          <p:nvPr/>
+        </p:nvGrpSpPr>
+        <p:grpSpPr>
+          <a:xfrm>
+            <a:off x="2564523" y="3759387"/>
+            <a:ext cx="6828858" cy="369332"/>
+            <a:chOff x="2564523" y="2039007"/>
+            <a:chExt cx="6828858" cy="369332"/>
+          </a:xfrm>
+        </p:grpSpPr>
+        <p:sp>
+          <p:nvSpPr>
+            <p:cNvPr id="4" name="TextBox 3">
+              <a:extLst>
+                <a:ext uri="{FF2B5EF4-FFF2-40B4-BE49-F238E27FC236}">
+                  <a16:creationId xmlns:a16="http://schemas.microsoft.com/office/drawing/2014/main" id="{3DA805FF-D1A7-B660-754B-480A3EBACED3}"/>
+                </a:ext>
+              </a:extLst>
+            </p:cNvPr>
+            <p:cNvSpPr txBox="1"/>
+            <p:nvPr/>
+          </p:nvSpPr>
+          <p:spPr>
+            <a:xfrm>
+              <a:off x="2564523" y="2039007"/>
+              <a:ext cx="1713187" cy="369332"/>
+            </a:xfrm>
+            <a:prstGeom prst="rect">
+              <a:avLst/>
+            </a:prstGeom>
+            <a:noFill/>
+          </p:spPr>
+          <p:txBody>
+            <a:bodyPr wrap="square" rtlCol="0">
+              <a:spAutoFit/>
+            </a:bodyPr>
+            <a:lstStyle/>
+            <a:p>
+              <a:r>
+                <a:rPr lang="en-US" dirty="0"/>
+                <a:t>Opt. Leverage</a:t>
+              </a:r>
+              <a:endParaRPr lang="ko-US" dirty="0"/>
+            </a:p>
+          </p:txBody>
+        </p:sp>
+        <p:sp>
+          <p:nvSpPr>
+            <p:cNvPr id="5" name="직사각형 4">
+              <a:extLst>
+                <a:ext uri="{FF2B5EF4-FFF2-40B4-BE49-F238E27FC236}">
+                  <a16:creationId xmlns:a16="http://schemas.microsoft.com/office/drawing/2014/main" id="{CB3BC188-F4C8-034C-C42B-669504C0645F}"/>
+                </a:ext>
+              </a:extLst>
+            </p:cNvPr>
+            <p:cNvSpPr/>
+            <p:nvPr/>
+          </p:nvSpPr>
+          <p:spPr>
+            <a:xfrm>
+              <a:off x="4813736" y="2059449"/>
+              <a:ext cx="4579645" cy="328448"/>
+            </a:xfrm>
+            <a:prstGeom prst="rect">
+              <a:avLst/>
+            </a:prstGeom>
+          </p:spPr>
+          <p:style>
+            <a:lnRef idx="2">
+              <a:schemeClr val="dk1"/>
+            </a:lnRef>
+            <a:fillRef idx="1">
+              <a:schemeClr val="lt1"/>
+            </a:fillRef>
+            <a:effectRef idx="0">
+              <a:schemeClr val="dk1"/>
+            </a:effectRef>
+            <a:fontRef idx="minor">
+              <a:schemeClr val="dk1"/>
+            </a:fontRef>
+          </p:style>
+          <p:txBody>
+            <a:bodyPr rtlCol="0" anchor="ctr"/>
+            <a:lstStyle/>
+            <a:p>
+              <a:r>
+                <a:rPr lang="en-US" dirty="0"/>
+                <a:t>1</a:t>
+              </a:r>
+              <a:endParaRPr lang="ko-US" dirty="0"/>
+            </a:p>
+          </p:txBody>
+        </p:sp>
+      </p:grpSp>
+      <p:sp>
+        <p:nvSpPr>
+          <p:cNvPr id="10" name="직사각형 9">
+            <a:extLst>
+              <a:ext uri="{FF2B5EF4-FFF2-40B4-BE49-F238E27FC236}">
+                <a16:creationId xmlns:a16="http://schemas.microsoft.com/office/drawing/2014/main" id="{C3BDBB0F-61B5-270F-64F0-724E3AD8FB81}"/>
+              </a:ext>
+            </a:extLst>
+          </p:cNvPr>
+          <p:cNvSpPr/>
+          <p:nvPr/>
+        </p:nvSpPr>
+        <p:spPr>
+          <a:xfrm>
+            <a:off x="9485745" y="2059449"/>
+            <a:ext cx="330916" cy="348890"/>
+          </a:xfrm>
+          <a:prstGeom prst="rect">
+            <a:avLst/>
+          </a:prstGeom>
+        </p:spPr>
+        <p:style>
+          <a:lnRef idx="2">
+            <a:schemeClr val="dk1"/>
+          </a:lnRef>
+          <a:fillRef idx="1">
+            <a:schemeClr val="lt1"/>
+          </a:fillRef>
+          <a:effectRef idx="0">
+            <a:schemeClr val="dk1"/>
+          </a:effectRef>
+          <a:fontRef idx="minor">
+            <a:schemeClr val="dk1"/>
+          </a:fontRef>
+        </p:style>
+        <p:txBody>
+          <a:bodyPr rtlCol="0" anchor="ctr"/>
+          <a:lstStyle/>
+          <a:p>
+            <a:pPr algn="ctr"/>
+            <a:r>
+              <a:rPr lang="en-US" dirty="0"/>
+              <a:t>?</a:t>
+            </a:r>
+            <a:endParaRPr lang="ko-US" dirty="0"/>
+          </a:p>
+        </p:txBody>
+      </p:sp>
+      <p:sp>
+        <p:nvSpPr>
+          <p:cNvPr id="12" name="직사각형 11">
+            <a:extLst>
+              <a:ext uri="{FF2B5EF4-FFF2-40B4-BE49-F238E27FC236}">
+                <a16:creationId xmlns:a16="http://schemas.microsoft.com/office/drawing/2014/main" id="{0B35B840-3052-9678-73E2-A1DD5D5A9CDD}"/>
+              </a:ext>
+            </a:extLst>
+          </p:cNvPr>
+          <p:cNvSpPr/>
+          <p:nvPr/>
+        </p:nvSpPr>
+        <p:spPr>
+          <a:xfrm>
+            <a:off x="9485745" y="2595320"/>
+            <a:ext cx="330916" cy="348890"/>
+          </a:xfrm>
+          <a:prstGeom prst="rect">
+            <a:avLst/>
+          </a:prstGeom>
+        </p:spPr>
+        <p:style>
+          <a:lnRef idx="2">
+            <a:schemeClr val="dk1"/>
+          </a:lnRef>
+          <a:fillRef idx="1">
+            <a:schemeClr val="lt1"/>
+          </a:fillRef>
+          <a:effectRef idx="0">
+            <a:schemeClr val="dk1"/>
+          </a:effectRef>
+          <a:fontRef idx="minor">
+            <a:schemeClr val="dk1"/>
+          </a:fontRef>
+        </p:style>
+        <p:txBody>
+          <a:bodyPr rtlCol="0" anchor="ctr"/>
+          <a:lstStyle/>
+          <a:p>
+            <a:pPr algn="ctr"/>
+            <a:r>
+              <a:rPr lang="en-US" dirty="0"/>
+              <a:t>?</a:t>
+            </a:r>
+            <a:endParaRPr lang="ko-US" dirty="0"/>
+          </a:p>
+        </p:txBody>
+      </p:sp>
+      <p:sp>
+        <p:nvSpPr>
+          <p:cNvPr id="13" name="직사각형 12">
+            <a:extLst>
+              <a:ext uri="{FF2B5EF4-FFF2-40B4-BE49-F238E27FC236}">
+                <a16:creationId xmlns:a16="http://schemas.microsoft.com/office/drawing/2014/main" id="{A4F13AAB-7247-575A-B3AF-9E010E695DB8}"/>
+              </a:ext>
+            </a:extLst>
+          </p:cNvPr>
+          <p:cNvSpPr/>
+          <p:nvPr/>
+        </p:nvSpPr>
+        <p:spPr>
+          <a:xfrm>
+            <a:off x="9485745" y="3176917"/>
+            <a:ext cx="330916" cy="348890"/>
+          </a:xfrm>
+          <a:prstGeom prst="rect">
+            <a:avLst/>
+          </a:prstGeom>
+        </p:spPr>
+        <p:style>
+          <a:lnRef idx="2">
+            <a:schemeClr val="dk1"/>
+          </a:lnRef>
+          <a:fillRef idx="1">
+            <a:schemeClr val="lt1"/>
+          </a:fillRef>
+          <a:effectRef idx="0">
+            <a:schemeClr val="dk1"/>
+          </a:effectRef>
+          <a:fontRef idx="minor">
+            <a:schemeClr val="dk1"/>
+          </a:fontRef>
+        </p:style>
+        <p:txBody>
+          <a:bodyPr rtlCol="0" anchor="ctr"/>
+          <a:lstStyle/>
+          <a:p>
+            <a:pPr algn="ctr"/>
+            <a:r>
+              <a:rPr lang="en-US" dirty="0"/>
+              <a:t>?</a:t>
+            </a:r>
+            <a:endParaRPr lang="ko-US" dirty="0"/>
+          </a:p>
+        </p:txBody>
+      </p:sp>
+      <p:sp>
+        <p:nvSpPr>
+          <p:cNvPr id="14" name="직사각형 13">
+            <a:extLst>
+              <a:ext uri="{FF2B5EF4-FFF2-40B4-BE49-F238E27FC236}">
+                <a16:creationId xmlns:a16="http://schemas.microsoft.com/office/drawing/2014/main" id="{363B582A-09CA-6B5E-50E5-0FD3B7FE581F}"/>
+              </a:ext>
+            </a:extLst>
+          </p:cNvPr>
+          <p:cNvSpPr/>
+          <p:nvPr/>
+        </p:nvSpPr>
+        <p:spPr>
+          <a:xfrm>
+            <a:off x="9485745" y="3759387"/>
+            <a:ext cx="330916" cy="348890"/>
+          </a:xfrm>
+          <a:prstGeom prst="rect">
+            <a:avLst/>
+          </a:prstGeom>
+        </p:spPr>
+        <p:style>
+          <a:lnRef idx="2">
+            <a:schemeClr val="dk1"/>
+          </a:lnRef>
+          <a:fillRef idx="1">
+            <a:schemeClr val="lt1"/>
+          </a:fillRef>
+          <a:effectRef idx="0">
+            <a:schemeClr val="dk1"/>
+          </a:effectRef>
+          <a:fontRef idx="minor">
+            <a:schemeClr val="dk1"/>
+          </a:fontRef>
+        </p:style>
+        <p:txBody>
+          <a:bodyPr rtlCol="0" anchor="ctr"/>
+          <a:lstStyle/>
+          <a:p>
+            <a:pPr algn="ctr"/>
+            <a:r>
+              <a:rPr lang="en-US" dirty="0"/>
+              <a:t>?</a:t>
+            </a:r>
+            <a:endParaRPr lang="ko-US" dirty="0"/>
+          </a:p>
+        </p:txBody>
+      </p:sp>
+      <p:grpSp>
+        <p:nvGrpSpPr>
+          <p:cNvPr id="16" name="그룹 15">
+            <a:extLst>
+              <a:ext uri="{FF2B5EF4-FFF2-40B4-BE49-F238E27FC236}">
+                <a16:creationId xmlns:a16="http://schemas.microsoft.com/office/drawing/2014/main" id="{3E898469-5F6F-EBD9-C30B-4CEB9F1414EA}"/>
+              </a:ext>
+            </a:extLst>
+          </p:cNvPr>
+          <p:cNvGrpSpPr/>
+          <p:nvPr/>
+        </p:nvGrpSpPr>
+        <p:grpSpPr>
+          <a:xfrm rot="18882072">
+            <a:off x="3021436" y="1371600"/>
+            <a:ext cx="2692908" cy="1888236"/>
+            <a:chOff x="2651760" y="1847088"/>
+            <a:chExt cx="2692908" cy="1888236"/>
+          </a:xfrm>
+        </p:grpSpPr>
+        <p:sp>
+          <p:nvSpPr>
+            <p:cNvPr id="23" name="직사각형 22">
+              <a:extLst>
+                <a:ext uri="{FF2B5EF4-FFF2-40B4-BE49-F238E27FC236}">
+                  <a16:creationId xmlns:a16="http://schemas.microsoft.com/office/drawing/2014/main" id="{5D3BA40B-960B-1BD3-C352-CB0AC22ADFEA}"/>
+                </a:ext>
+              </a:extLst>
+            </p:cNvPr>
+            <p:cNvSpPr/>
+            <p:nvPr/>
+          </p:nvSpPr>
+          <p:spPr>
+            <a:xfrm>
+              <a:off x="2651760" y="1847088"/>
+              <a:ext cx="612648" cy="1316736"/>
+            </a:xfrm>
+            <a:prstGeom prst="rect">
+              <a:avLst/>
+            </a:prstGeom>
+            <a:solidFill>
+              <a:srgbClr val="00B050"/>
+            </a:solidFill>
+            <a:ln>
+              <a:noFill/>
+            </a:ln>
+          </p:spPr>
+          <p:style>
+            <a:lnRef idx="2">
+              <a:schemeClr val="dk1"/>
+            </a:lnRef>
+            <a:fillRef idx="1">
+              <a:schemeClr val="lt1"/>
+            </a:fillRef>
+            <a:effectRef idx="0">
+              <a:schemeClr val="dk1"/>
+            </a:effectRef>
+            <a:fontRef idx="minor">
+              <a:schemeClr val="dk1"/>
+            </a:fontRef>
+          </p:style>
+          <p:txBody>
+            <a:bodyPr rtlCol="0" anchor="ctr"/>
+            <a:lstStyle/>
+            <a:p>
+              <a:pPr algn="ctr"/>
+              <a:endParaRPr lang="ko-US"/>
+            </a:p>
+          </p:txBody>
+        </p:sp>
+        <p:sp>
+          <p:nvSpPr>
+            <p:cNvPr id="24" name="직사각형 23">
+              <a:extLst>
+                <a:ext uri="{FF2B5EF4-FFF2-40B4-BE49-F238E27FC236}">
+                  <a16:creationId xmlns:a16="http://schemas.microsoft.com/office/drawing/2014/main" id="{2D80B9FC-E8DF-10BE-7901-215509250580}"/>
+                </a:ext>
+              </a:extLst>
+            </p:cNvPr>
+            <p:cNvSpPr/>
+            <p:nvPr/>
+          </p:nvSpPr>
+          <p:spPr>
+            <a:xfrm rot="5400000">
+              <a:off x="3691890" y="2082546"/>
+              <a:ext cx="612648" cy="2692908"/>
+            </a:xfrm>
+            <a:prstGeom prst="rect">
+              <a:avLst/>
+            </a:prstGeom>
+            <a:solidFill>
+              <a:srgbClr val="00B050"/>
+            </a:solidFill>
+            <a:ln>
+              <a:noFill/>
+            </a:ln>
+          </p:spPr>
+          <p:style>
+            <a:lnRef idx="2">
+              <a:schemeClr val="dk1"/>
+            </a:lnRef>
+            <a:fillRef idx="1">
+              <a:schemeClr val="lt1"/>
+            </a:fillRef>
+            <a:effectRef idx="0">
+              <a:schemeClr val="dk1"/>
+            </a:effectRef>
+            <a:fontRef idx="minor">
+              <a:schemeClr val="dk1"/>
+            </a:fontRef>
+          </p:style>
+          <p:txBody>
+            <a:bodyPr rtlCol="0" anchor="ctr"/>
+            <a:lstStyle/>
+            <a:p>
+              <a:pPr algn="ctr"/>
+              <a:endParaRPr lang="ko-US"/>
+            </a:p>
+          </p:txBody>
+        </p:sp>
+      </p:grpSp>
+    </p:spTree>
+    <p:extLst>
+      <p:ext uri="{BB962C8B-B14F-4D97-AF65-F5344CB8AC3E}">
+        <p14:creationId xmlns:p14="http://schemas.microsoft.com/office/powerpoint/2010/main" val="2959538964"/>
+      </p:ext>
+    </p:extLst>
+  </p:cSld>
+  <p:clrMapOvr>
+    <a:masterClrMapping/>
+  </p:clrMapOvr>
+</p:sld>
+</file>
+
+<file path=ppt/slides/slide13.xml><?xml version="1.0" encoding="utf-8"?>
+<p:sld xmlns:a="http://schemas.openxmlformats.org/drawingml/2006/main" xmlns:r="http://schemas.openxmlformats.org/officeDocument/2006/relationships" xmlns:p="http://schemas.openxmlformats.org/presentationml/2006/main">
+  <p:cSld>
+    <p:spTree>
+      <p:nvGrpSpPr>
+        <p:cNvPr id="1" name="">
+          <a:extLst>
+            <a:ext uri="{FF2B5EF4-FFF2-40B4-BE49-F238E27FC236}">
+              <a16:creationId xmlns:a16="http://schemas.microsoft.com/office/drawing/2014/main" id="{4F858E51-226E-2500-3D18-A294C3B1E178}"/>
+            </a:ext>
+          </a:extLst>
+        </p:cNvPr>
+        <p:cNvGrpSpPr/>
+        <p:nvPr/>
+      </p:nvGrpSpPr>
+      <p:grpSpPr>
+        <a:xfrm>
+          <a:off x="0" y="0"/>
+          <a:ext cx="0" cy="0"/>
+          <a:chOff x="0" y="0"/>
+          <a:chExt cx="0" cy="0"/>
+        </a:xfrm>
+      </p:grpSpPr>
+      <p:sp>
+        <p:nvSpPr>
+          <p:cNvPr id="2" name="직사각형 1">
+            <a:extLst>
+              <a:ext uri="{FF2B5EF4-FFF2-40B4-BE49-F238E27FC236}">
+                <a16:creationId xmlns:a16="http://schemas.microsoft.com/office/drawing/2014/main" id="{D0822540-9798-4E50-4A4C-BD638EA8F800}"/>
+              </a:ext>
+            </a:extLst>
+          </p:cNvPr>
+          <p:cNvSpPr/>
+          <p:nvPr/>
+        </p:nvSpPr>
+        <p:spPr>
+          <a:xfrm>
+            <a:off x="1725168" y="900684"/>
+            <a:ext cx="8741664" cy="5056632"/>
+          </a:xfrm>
+          <a:prstGeom prst="rect">
+            <a:avLst/>
+          </a:prstGeom>
+        </p:spPr>
+        <p:style>
+          <a:lnRef idx="2">
+            <a:schemeClr val="dk1"/>
+          </a:lnRef>
+          <a:fillRef idx="1">
+            <a:schemeClr val="lt1"/>
+          </a:fillRef>
+          <a:effectRef idx="0">
+            <a:schemeClr val="dk1"/>
+          </a:effectRef>
+          <a:fontRef idx="minor">
+            <a:schemeClr val="dk1"/>
+          </a:fontRef>
+        </p:style>
+        <p:txBody>
+          <a:bodyPr rtlCol="0" anchor="ctr"/>
+          <a:lstStyle/>
+          <a:p>
+            <a:pPr algn="ctr"/>
+            <a:endParaRPr lang="ko-KR" altLang="en-US"/>
+          </a:p>
+        </p:txBody>
+      </p:sp>
+      <p:sp>
+        <p:nvSpPr>
+          <p:cNvPr id="4" name="직사각형 3">
+            <a:extLst>
+              <a:ext uri="{FF2B5EF4-FFF2-40B4-BE49-F238E27FC236}">
+                <a16:creationId xmlns:a16="http://schemas.microsoft.com/office/drawing/2014/main" id="{00F4F092-0864-AB34-8BFA-E0B74DA5EF8D}"/>
+              </a:ext>
+            </a:extLst>
+          </p:cNvPr>
+          <p:cNvSpPr/>
+          <p:nvPr/>
+        </p:nvSpPr>
+        <p:spPr>
+          <a:xfrm>
+            <a:off x="1725168" y="900684"/>
+            <a:ext cx="8741664" cy="320566"/>
+          </a:xfrm>
+          <a:prstGeom prst="rect">
+            <a:avLst/>
+          </a:prstGeom>
+        </p:spPr>
+        <p:style>
+          <a:lnRef idx="2">
+            <a:schemeClr val="dk1"/>
+          </a:lnRef>
+          <a:fillRef idx="1">
+            <a:schemeClr val="lt1"/>
+          </a:fillRef>
+          <a:effectRef idx="0">
+            <a:schemeClr val="dk1"/>
+          </a:effectRef>
+          <a:fontRef idx="minor">
+            <a:schemeClr val="dk1"/>
+          </a:fontRef>
+        </p:style>
+        <p:txBody>
+          <a:bodyPr rtlCol="0" anchor="ctr"/>
+          <a:lstStyle/>
+          <a:p>
+            <a:pPr algn="ctr"/>
+            <a:r>
+              <a:rPr lang="en-US" dirty="0" err="1"/>
+              <a:t>KSManualTrader</a:t>
+            </a:r>
+            <a:r>
+              <a:rPr lang="en-US" dirty="0"/>
+              <a:t> Settings (XXX)</a:t>
+            </a:r>
+            <a:endParaRPr lang="ko-US" dirty="0"/>
+          </a:p>
+        </p:txBody>
+      </p:sp>
+    </p:spTree>
+    <p:extLst>
+      <p:ext uri="{BB962C8B-B14F-4D97-AF65-F5344CB8AC3E}">
+        <p14:creationId xmlns:p14="http://schemas.microsoft.com/office/powerpoint/2010/main" val="2414229060"/>
       </p:ext>
     </p:extLst>
   </p:cSld>
